--- a/network_introduction_2022/material/isoosi_tcpip_1.pptx
+++ b/network_introduction_2022/material/isoosi_tcpip_1.pptx
@@ -277,7 +277,7 @@
           <a:p>
             <a:fld id="{D8B7E551-822F-4896-9EDE-9E8F0CB865CE}" type="datetimeFigureOut">
               <a:rPr lang="it-IT" smtClean="0"/>
-              <a:t>06/12/2022</a:t>
+              <a:t>09/12/2022</a:t>
             </a:fld>
             <a:endParaRPr lang="it-IT"/>
           </a:p>
@@ -475,7 +475,7 @@
           <a:p>
             <a:fld id="{D8B7E551-822F-4896-9EDE-9E8F0CB865CE}" type="datetimeFigureOut">
               <a:rPr lang="it-IT" smtClean="0"/>
-              <a:t>06/12/2022</a:t>
+              <a:t>09/12/2022</a:t>
             </a:fld>
             <a:endParaRPr lang="it-IT"/>
           </a:p>
@@ -683,7 +683,7 @@
           <a:p>
             <a:fld id="{D8B7E551-822F-4896-9EDE-9E8F0CB865CE}" type="datetimeFigureOut">
               <a:rPr lang="it-IT" smtClean="0"/>
-              <a:t>06/12/2022</a:t>
+              <a:t>09/12/2022</a:t>
             </a:fld>
             <a:endParaRPr lang="it-IT"/>
           </a:p>
@@ -881,7 +881,7 @@
           <a:p>
             <a:fld id="{D8B7E551-822F-4896-9EDE-9E8F0CB865CE}" type="datetimeFigureOut">
               <a:rPr lang="it-IT" smtClean="0"/>
-              <a:t>06/12/2022</a:t>
+              <a:t>09/12/2022</a:t>
             </a:fld>
             <a:endParaRPr lang="it-IT"/>
           </a:p>
@@ -1156,7 +1156,7 @@
           <a:p>
             <a:fld id="{D8B7E551-822F-4896-9EDE-9E8F0CB865CE}" type="datetimeFigureOut">
               <a:rPr lang="it-IT" smtClean="0"/>
-              <a:t>06/12/2022</a:t>
+              <a:t>09/12/2022</a:t>
             </a:fld>
             <a:endParaRPr lang="it-IT"/>
           </a:p>
@@ -1421,7 +1421,7 @@
           <a:p>
             <a:fld id="{D8B7E551-822F-4896-9EDE-9E8F0CB865CE}" type="datetimeFigureOut">
               <a:rPr lang="it-IT" smtClean="0"/>
-              <a:t>06/12/2022</a:t>
+              <a:t>09/12/2022</a:t>
             </a:fld>
             <a:endParaRPr lang="it-IT"/>
           </a:p>
@@ -1833,7 +1833,7 @@
           <a:p>
             <a:fld id="{D8B7E551-822F-4896-9EDE-9E8F0CB865CE}" type="datetimeFigureOut">
               <a:rPr lang="it-IT" smtClean="0"/>
-              <a:t>06/12/2022</a:t>
+              <a:t>09/12/2022</a:t>
             </a:fld>
             <a:endParaRPr lang="it-IT"/>
           </a:p>
@@ -1974,7 +1974,7 @@
           <a:p>
             <a:fld id="{D8B7E551-822F-4896-9EDE-9E8F0CB865CE}" type="datetimeFigureOut">
               <a:rPr lang="it-IT" smtClean="0"/>
-              <a:t>06/12/2022</a:t>
+              <a:t>09/12/2022</a:t>
             </a:fld>
             <a:endParaRPr lang="it-IT"/>
           </a:p>
@@ -2087,7 +2087,7 @@
           <a:p>
             <a:fld id="{D8B7E551-822F-4896-9EDE-9E8F0CB865CE}" type="datetimeFigureOut">
               <a:rPr lang="it-IT" smtClean="0"/>
-              <a:t>06/12/2022</a:t>
+              <a:t>09/12/2022</a:t>
             </a:fld>
             <a:endParaRPr lang="it-IT"/>
           </a:p>
@@ -2398,7 +2398,7 @@
           <a:p>
             <a:fld id="{D8B7E551-822F-4896-9EDE-9E8F0CB865CE}" type="datetimeFigureOut">
               <a:rPr lang="it-IT" smtClean="0"/>
-              <a:t>06/12/2022</a:t>
+              <a:t>09/12/2022</a:t>
             </a:fld>
             <a:endParaRPr lang="it-IT"/>
           </a:p>
@@ -2686,7 +2686,7 @@
           <a:p>
             <a:fld id="{D8B7E551-822F-4896-9EDE-9E8F0CB865CE}" type="datetimeFigureOut">
               <a:rPr lang="it-IT" smtClean="0"/>
-              <a:t>06/12/2022</a:t>
+              <a:t>09/12/2022</a:t>
             </a:fld>
             <a:endParaRPr lang="it-IT"/>
           </a:p>
@@ -2927,7 +2927,7 @@
           <a:p>
             <a:fld id="{D8B7E551-822F-4896-9EDE-9E8F0CB865CE}" type="datetimeFigureOut">
               <a:rPr lang="it-IT" smtClean="0"/>
-              <a:t>06/12/2022</a:t>
+              <a:t>09/12/2022</a:t>
             </a:fld>
             <a:endParaRPr lang="it-IT"/>
           </a:p>
@@ -3388,7 +3388,17 @@
                 <a:latin typeface="Print Clearly" panose="02000000000000000000" pitchFamily="50" charset="0"/>
                 <a:cs typeface="Amatic SC" panose="00000500000000000000" pitchFamily="2" charset="-79"/>
               </a:rPr>
-              <a:t>ISO/OSI VS TPI/IP</a:t>
+              <a:t>ISO/OSI VS TCP</a:t>
+            </a:r>
+            <a:r>
+              <a:rPr lang="en-US" sz="8800" b="1">
+                <a:solidFill>
+                  <a:schemeClr val="bg1"/>
+                </a:solidFill>
+                <a:latin typeface="Print Clearly" panose="02000000000000000000" pitchFamily="50" charset="0"/>
+                <a:cs typeface="Amatic SC" panose="00000500000000000000" pitchFamily="2" charset="-79"/>
+              </a:rPr>
+              <a:t>/IP p.1</a:t>
             </a:r>
             <a:endParaRPr lang="it-IT" sz="8800" b="1" dirty="0">
               <a:solidFill>
@@ -4996,13 +5006,13 @@
   <p:clrMapOvr>
     <a:masterClrMapping/>
   </p:clrMapOvr>
-  <mc:AlternateContent xmlns:mc="http://schemas.openxmlformats.org/markup-compatibility/2006">
-    <mc:Choice xmlns:p159="http://schemas.microsoft.com/office/powerpoint/2015/09/main" Requires="p159">
+  <mc:AlternateContent xmlns:mc="http://schemas.openxmlformats.org/markup-compatibility/2006" xmlns:p159="http://schemas.microsoft.com/office/powerpoint/2015/09/main">
+    <mc:Choice Requires="p159">
       <p:transition xmlns:p14="http://schemas.microsoft.com/office/powerpoint/2010/main" spd="slow" p14:dur="2000">
         <p159:morph option="byObject"/>
       </p:transition>
     </mc:Choice>
-    <mc:Fallback>
+    <mc:Fallback xmlns="">
       <p:transition spd="slow">
         <p:fade/>
       </p:transition>
@@ -5476,7 +5486,7 @@
           <p:nvPr>
             <p:extLst>
               <p:ext uri="{D42A27DB-BD31-4B8C-83A1-F6EECF244321}">
-                <p14:modId xmlns:p14="http://schemas.microsoft.com/office/powerpoint/2010/main" val="2077084783"/>
+                <p14:modId xmlns:p14="http://schemas.microsoft.com/office/powerpoint/2010/main" val="3659015803"/>
               </p:ext>
             </p:extLst>
           </p:nvPr>
@@ -5626,8 +5636,12 @@
                     <a:lstStyle/>
                     <a:p>
                       <a:r>
+                        <a:rPr lang="en-US"/>
+                        <a:t>HTTP, </a:t>
+                      </a:r>
+                      <a:r>
                         <a:rPr lang="en-US" dirty="0"/>
-                        <a:t>HTTPS, HTTPS, FTP, TLS</a:t>
+                        <a:t>HTTPS, FTP, TLS</a:t>
                       </a:r>
                       <a:endParaRPr lang="it-IT" dirty="0"/>
                     </a:p>
@@ -6004,13 +6018,13 @@
   <p:clrMapOvr>
     <a:masterClrMapping/>
   </p:clrMapOvr>
-  <mc:AlternateContent xmlns:mc="http://schemas.openxmlformats.org/markup-compatibility/2006">
-    <mc:Choice xmlns:p159="http://schemas.microsoft.com/office/powerpoint/2015/09/main" Requires="p159">
+  <mc:AlternateContent xmlns:mc="http://schemas.openxmlformats.org/markup-compatibility/2006" xmlns:p159="http://schemas.microsoft.com/office/powerpoint/2015/09/main">
+    <mc:Choice Requires="p159">
       <p:transition xmlns:p14="http://schemas.microsoft.com/office/powerpoint/2010/main" spd="slow" p14:dur="2000">
         <p159:morph option="byObject"/>
       </p:transition>
     </mc:Choice>
-    <mc:Fallback>
+    <mc:Fallback xmlns="">
       <p:transition spd="slow">
         <p:fade/>
       </p:transition>
@@ -6874,13 +6888,13 @@
   <p:clrMapOvr>
     <a:masterClrMapping/>
   </p:clrMapOvr>
-  <mc:AlternateContent xmlns:mc="http://schemas.openxmlformats.org/markup-compatibility/2006">
-    <mc:Choice xmlns:p159="http://schemas.microsoft.com/office/powerpoint/2015/09/main" Requires="p159">
+  <mc:AlternateContent xmlns:mc="http://schemas.openxmlformats.org/markup-compatibility/2006" xmlns:p159="http://schemas.microsoft.com/office/powerpoint/2015/09/main">
+    <mc:Choice Requires="p159">
       <p:transition xmlns:p14="http://schemas.microsoft.com/office/powerpoint/2010/main" spd="slow" p14:dur="2000">
         <p159:morph option="byObject"/>
       </p:transition>
     </mc:Choice>
-    <mc:Fallback>
+    <mc:Fallback xmlns="">
       <p:transition spd="slow">
         <p:fade/>
       </p:transition>
@@ -7501,13 +7515,13 @@
   <p:clrMapOvr>
     <a:masterClrMapping/>
   </p:clrMapOvr>
-  <mc:AlternateContent xmlns:mc="http://schemas.openxmlformats.org/markup-compatibility/2006">
-    <mc:Choice xmlns:p159="http://schemas.microsoft.com/office/powerpoint/2015/09/main" Requires="p159">
+  <mc:AlternateContent xmlns:mc="http://schemas.openxmlformats.org/markup-compatibility/2006" xmlns:p159="http://schemas.microsoft.com/office/powerpoint/2015/09/main">
+    <mc:Choice Requires="p159">
       <p:transition xmlns:p14="http://schemas.microsoft.com/office/powerpoint/2010/main" spd="slow" p14:dur="2000">
         <p159:morph option="byObject"/>
       </p:transition>
     </mc:Choice>
-    <mc:Fallback>
+    <mc:Fallback xmlns="">
       <p:transition spd="slow">
         <p:fade/>
       </p:transition>
@@ -8243,13 +8257,13 @@
   <p:clrMapOvr>
     <a:masterClrMapping/>
   </p:clrMapOvr>
-  <mc:AlternateContent xmlns:mc="http://schemas.openxmlformats.org/markup-compatibility/2006">
-    <mc:Choice xmlns:p159="http://schemas.microsoft.com/office/powerpoint/2015/09/main" Requires="p159">
+  <mc:AlternateContent xmlns:mc="http://schemas.openxmlformats.org/markup-compatibility/2006" xmlns:p159="http://schemas.microsoft.com/office/powerpoint/2015/09/main">
+    <mc:Choice Requires="p159">
       <p:transition xmlns:p14="http://schemas.microsoft.com/office/powerpoint/2010/main" spd="slow" p14:dur="2000">
         <p159:morph option="byObject"/>
       </p:transition>
     </mc:Choice>
-    <mc:Fallback>
+    <mc:Fallback xmlns="">
       <p:transition spd="slow">
         <p:fade/>
       </p:transition>
@@ -8402,39 +8416,27 @@
           <a:p>
             <a:r>
               <a:rPr lang="it-IT" sz="1800" dirty="0"/>
-              <a:t>Il compito principale del livello data link (collegamento dati) consiste nel far diventare una trasmissione grezza una linea che appare priva di errori non rilevati.</a:t>
+              <a:t>Per Internet si è scelto di affidarsi ad una rete a commutazione di pacchetto basata su un livello privo di connessione, in grado di operare attraverso differenti reti.</a:t>
             </a:r>
           </a:p>
           <a:p>
             <a:r>
               <a:rPr lang="it-IT" sz="1800" dirty="0"/>
-              <a:t>Esegue questo compito mascherando gli errori reali in modo che il livello di rete non li veda.</a:t>
+              <a:t>Il livello Data Link descrive che cosa devono fare i collegamenti (linee seriali ed Ethernet).</a:t>
             </a:r>
           </a:p>
           <a:p>
             <a:r>
               <a:rPr lang="it-IT" sz="1800" dirty="0"/>
-              <a:t>L’obiettivo è raggiunto forzando il trasmittente a suddividere i dati d’ingresso in frame (tipicamente qualche centinaio o migliaio di byte) trasmessi sequenzialmente.</a:t>
-            </a:r>
-          </a:p>
-          <a:p>
+              <a:t>Più che un vero e proprio livello nel senso usuale del termine, è un’interfaccia tra </a:t>
+            </a:r>
+            <a:r>
+              <a:rPr lang="it-IT" sz="1800" dirty="0" err="1"/>
+              <a:t>l’host</a:t>
+            </a:r>
             <a:r>
               <a:rPr lang="it-IT" sz="1800" dirty="0"/>
-              <a:t>Se il servizio è affidabile, il ricevente conferma la corretta ricezione di ciascun frame restituendo un frame di </a:t>
-            </a:r>
-            <a:r>
-              <a:rPr lang="it-IT" sz="1800" dirty="0" err="1"/>
-              <a:t>acknowledgment</a:t>
-            </a:r>
-            <a:r>
-              <a:rPr lang="it-IT" sz="1800" dirty="0"/>
-              <a:t>.</a:t>
-            </a:r>
-          </a:p>
-          <a:p>
-            <a:r>
-              <a:rPr lang="it-IT" sz="1800" dirty="0"/>
-              <a:t>Un altro problema che nasce nel livello data link (e nella maggior parte dei livelli superiori) riguarda il modo per evitare che un trasmittente veloce saturi il buffer di un ricevente lento. </a:t>
+              <a:t> e il mezzo trasmissivo.</a:t>
             </a:r>
           </a:p>
         </p:txBody>
@@ -8794,13 +8796,13 @@
   <p:clrMapOvr>
     <a:masterClrMapping/>
   </p:clrMapOvr>
-  <mc:AlternateContent xmlns:mc="http://schemas.openxmlformats.org/markup-compatibility/2006">
-    <mc:Choice xmlns:p159="http://schemas.microsoft.com/office/powerpoint/2015/09/main" Requires="p159">
+  <mc:AlternateContent xmlns:mc="http://schemas.openxmlformats.org/markup-compatibility/2006" xmlns:p159="http://schemas.microsoft.com/office/powerpoint/2015/09/main">
+    <mc:Choice Requires="p159">
       <p:transition xmlns:p14="http://schemas.microsoft.com/office/powerpoint/2010/main" spd="slow" p14:dur="2000">
         <p159:morph option="byObject"/>
       </p:transition>
     </mc:Choice>
-    <mc:Fallback>
+    <mc:Fallback xmlns="">
       <p:transition spd="slow">
         <p:fade/>
       </p:transition>
